--- a/Java9AndreiPambuccian/multithreading.pptx
+++ b/Java9AndreiPambuccian/multithreading.pptx
@@ -5409,8 +5409,8 @@
         </p:nvSpPr>
         <p:spPr>
           <a:xfrm>
-            <a:off x="266040" y="143640"/>
-            <a:ext cx="4794480" cy="600840"/>
+            <a:off x="266040" y="131400"/>
+            <a:ext cx="4794120" cy="624960"/>
           </a:xfrm>
           <a:prstGeom prst="rect">
             <a:avLst/>
@@ -5419,14 +5419,13 @@
         <p:txBody>
           <a:bodyPr lIns="0" rIns="0" tIns="0" bIns="0" anchor="ctr"/>
           <a:p>
-            <a:pPr algn="ctr"/>
-            <a:r>
-              <a:rPr b="0" lang="en-US" sz="4400" spc="-1" strike="noStrike">
+            <a:r>
+              <a:rPr b="0" lang="en-US" sz="1800" spc="-1" strike="noStrike">
                 <a:latin typeface="Arial"/>
               </a:rPr>
               <a:t>Click to edit the title text format</a:t>
             </a:r>
-            <a:endParaRPr b="0" lang="en-US" sz="4400" spc="-1" strike="noStrike">
+            <a:endParaRPr b="0" lang="en-US" sz="1800" spc="-1" strike="noStrike">
               <a:latin typeface="Arial"/>
             </a:endParaRPr>
           </a:p>
@@ -5675,7 +5674,49 @@
               <a:rPr b="0" lang="en-US" sz="4400" spc="-1" strike="noStrike">
                 <a:latin typeface="Arial"/>
               </a:rPr>
-              <a:t>Click to edit the title text format</a:t>
+              <a:t>Clic</a:t>
+            </a:r>
+            <a:r>
+              <a:rPr b="0" lang="en-US" sz="4400" spc="-1" strike="noStrike">
+                <a:latin typeface="Arial"/>
+              </a:rPr>
+              <a:t>k to </a:t>
+            </a:r>
+            <a:r>
+              <a:rPr b="0" lang="en-US" sz="4400" spc="-1" strike="noStrike">
+                <a:latin typeface="Arial"/>
+              </a:rPr>
+              <a:t>edit </a:t>
+            </a:r>
+            <a:r>
+              <a:rPr b="0" lang="en-US" sz="4400" spc="-1" strike="noStrike">
+                <a:latin typeface="Arial"/>
+              </a:rPr>
+              <a:t>the </a:t>
+            </a:r>
+            <a:r>
+              <a:rPr b="0" lang="en-US" sz="4400" spc="-1" strike="noStrike">
+                <a:latin typeface="Arial"/>
+              </a:rPr>
+              <a:t>title </a:t>
+            </a:r>
+            <a:r>
+              <a:rPr b="0" lang="en-US" sz="4400" spc="-1" strike="noStrike">
+                <a:latin typeface="Arial"/>
+              </a:rPr>
+              <a:t>text </a:t>
+            </a:r>
+            <a:r>
+              <a:rPr b="0" lang="en-US" sz="4400" spc="-1" strike="noStrike">
+                <a:latin typeface="Arial"/>
+              </a:rPr>
+              <a:t>for</a:t>
+            </a:r>
+            <a:r>
+              <a:rPr b="0" lang="en-US" sz="4400" spc="-1" strike="noStrike">
+                <a:latin typeface="Arial"/>
+              </a:rPr>
+              <a:t>mat</a:t>
             </a:r>
             <a:endParaRPr b="0" lang="en-US" sz="4400" spc="-1" strike="noStrike">
               <a:latin typeface="Arial"/>
@@ -6177,7 +6218,49 @@
               <a:rPr b="0" lang="en-US" sz="4400" spc="-1" strike="noStrike">
                 <a:latin typeface="Arial"/>
               </a:rPr>
-              <a:t>Click to edit the title text format</a:t>
+              <a:t>Clic</a:t>
+            </a:r>
+            <a:r>
+              <a:rPr b="0" lang="en-US" sz="4400" spc="-1" strike="noStrike">
+                <a:latin typeface="Arial"/>
+              </a:rPr>
+              <a:t>k to </a:t>
+            </a:r>
+            <a:r>
+              <a:rPr b="0" lang="en-US" sz="4400" spc="-1" strike="noStrike">
+                <a:latin typeface="Arial"/>
+              </a:rPr>
+              <a:t>edit </a:t>
+            </a:r>
+            <a:r>
+              <a:rPr b="0" lang="en-US" sz="4400" spc="-1" strike="noStrike">
+                <a:latin typeface="Arial"/>
+              </a:rPr>
+              <a:t>the </a:t>
+            </a:r>
+            <a:r>
+              <a:rPr b="0" lang="en-US" sz="4400" spc="-1" strike="noStrike">
+                <a:latin typeface="Arial"/>
+              </a:rPr>
+              <a:t>title </a:t>
+            </a:r>
+            <a:r>
+              <a:rPr b="0" lang="en-US" sz="4400" spc="-1" strike="noStrike">
+                <a:latin typeface="Arial"/>
+              </a:rPr>
+              <a:t>text </a:t>
+            </a:r>
+            <a:r>
+              <a:rPr b="0" lang="en-US" sz="4400" spc="-1" strike="noStrike">
+                <a:latin typeface="Arial"/>
+              </a:rPr>
+              <a:t>for</a:t>
+            </a:r>
+            <a:r>
+              <a:rPr b="0" lang="en-US" sz="4400" spc="-1" strike="noStrike">
+                <a:latin typeface="Arial"/>
+              </a:rPr>
+              <a:t>mat</a:t>
             </a:r>
             <a:endParaRPr b="0" lang="en-US" sz="4400" spc="-1" strike="noStrike">
               <a:latin typeface="Arial"/>
@@ -6410,7 +6493,7 @@
         <p:spPr>
           <a:xfrm>
             <a:off x="266400" y="143280"/>
-            <a:ext cx="4790520" cy="2782080"/>
+            <a:ext cx="4790160" cy="2781720"/>
           </a:xfrm>
           <a:prstGeom prst="rect">
             <a:avLst/>
@@ -6538,7 +6621,7 @@
         <p:spPr>
           <a:xfrm>
             <a:off x="266400" y="143280"/>
-            <a:ext cx="4790520" cy="596520"/>
+            <a:ext cx="4790160" cy="596160"/>
           </a:xfrm>
           <a:prstGeom prst="rect">
             <a:avLst/>
@@ -6587,7 +6670,7 @@
         <p:spPr>
           <a:xfrm>
             <a:off x="548640" y="822960"/>
-            <a:ext cx="1275840" cy="369000"/>
+            <a:ext cx="1275480" cy="368640"/>
           </a:xfrm>
           <a:prstGeom prst="rect">
             <a:avLst/>
@@ -6640,7 +6723,7 @@
         <p:spPr>
           <a:xfrm>
             <a:off x="548640" y="1196280"/>
-            <a:ext cx="1275840" cy="369360"/>
+            <a:ext cx="1275480" cy="369000"/>
           </a:xfrm>
           <a:prstGeom prst="rect">
             <a:avLst/>
@@ -6721,7 +6804,7 @@
         <p:spPr>
           <a:xfrm>
             <a:off x="548640" y="1569960"/>
-            <a:ext cx="1275840" cy="369000"/>
+            <a:ext cx="1275480" cy="368640"/>
           </a:xfrm>
           <a:prstGeom prst="rect">
             <a:avLst/>
@@ -6774,7 +6857,7 @@
         <p:spPr>
           <a:xfrm>
             <a:off x="3474720" y="822960"/>
-            <a:ext cx="1275840" cy="369000"/>
+            <a:ext cx="1275480" cy="368640"/>
           </a:xfrm>
           <a:prstGeom prst="rect">
             <a:avLst/>
@@ -6827,7 +6910,7 @@
         <p:spPr>
           <a:xfrm>
             <a:off x="3474720" y="1196280"/>
-            <a:ext cx="1275840" cy="369360"/>
+            <a:ext cx="1275480" cy="369000"/>
           </a:xfrm>
           <a:prstGeom prst="rect">
             <a:avLst/>
@@ -6908,7 +6991,7 @@
         <p:spPr>
           <a:xfrm>
             <a:off x="3474720" y="1569960"/>
-            <a:ext cx="1275840" cy="369000"/>
+            <a:ext cx="1275480" cy="368640"/>
           </a:xfrm>
           <a:prstGeom prst="rect">
             <a:avLst/>
@@ -6961,7 +7044,7 @@
         <p:spPr>
           <a:xfrm>
             <a:off x="354240" y="2011680"/>
-            <a:ext cx="4670640" cy="1504440"/>
+            <a:ext cx="4670280" cy="1504080"/>
           </a:xfrm>
           <a:prstGeom prst="rect">
             <a:avLst/>
@@ -7290,7 +7373,7 @@
         <p:spPr>
           <a:xfrm>
             <a:off x="1828800" y="1371600"/>
-            <a:ext cx="1642320" cy="362160"/>
+            <a:ext cx="1641960" cy="361800"/>
           </a:xfrm>
           <a:custGeom>
             <a:avLst/>
@@ -7332,9 +7415,9 @@
         <p:grpSpPr>
           <a:xfrm>
             <a:off x="365760" y="1737360"/>
-            <a:ext cx="361440" cy="270000"/>
+            <a:ext cx="361080" cy="269640"/>
             <a:chOff x="365760" y="1737360"/>
-            <a:chExt cx="361440" cy="270000"/>
+            <a:chExt cx="361080" cy="269640"/>
           </a:xfrm>
         </p:grpSpPr>
         <p:sp>
@@ -7346,7 +7429,7 @@
           <p:spPr>
             <a:xfrm>
               <a:off x="457200" y="1737360"/>
-              <a:ext cx="178560" cy="178560"/>
+              <a:ext cx="178200" cy="178200"/>
             </a:xfrm>
             <a:prstGeom prst="blockArc">
               <a:avLst>
@@ -7380,7 +7463,7 @@
           <p:spPr>
             <a:xfrm>
               <a:off x="365760" y="1828800"/>
-              <a:ext cx="361440" cy="178560"/>
+              <a:ext cx="361080" cy="178200"/>
             </a:xfrm>
             <a:prstGeom prst="rect">
               <a:avLst/>
@@ -7411,9 +7494,9 @@
         <p:grpSpPr>
           <a:xfrm>
             <a:off x="365760" y="1371600"/>
-            <a:ext cx="361440" cy="270000"/>
+            <a:ext cx="361080" cy="269640"/>
             <a:chOff x="365760" y="1371600"/>
-            <a:chExt cx="361440" cy="270000"/>
+            <a:chExt cx="361080" cy="269640"/>
           </a:xfrm>
         </p:grpSpPr>
         <p:sp>
@@ -7425,7 +7508,7 @@
           <p:spPr>
             <a:xfrm>
               <a:off x="457200" y="1371600"/>
-              <a:ext cx="178560" cy="178560"/>
+              <a:ext cx="178200" cy="178200"/>
             </a:xfrm>
             <a:prstGeom prst="blockArc">
               <a:avLst>
@@ -7459,7 +7542,7 @@
           <p:spPr>
             <a:xfrm>
               <a:off x="365760" y="1463040"/>
-              <a:ext cx="361440" cy="178560"/>
+              <a:ext cx="361080" cy="178200"/>
             </a:xfrm>
             <a:prstGeom prst="rect">
               <a:avLst/>
@@ -7489,7 +7572,7 @@
           <p:spPr>
             <a:xfrm>
               <a:off x="457200" y="1371600"/>
-              <a:ext cx="178560" cy="178560"/>
+              <a:ext cx="178200" cy="178200"/>
             </a:xfrm>
             <a:prstGeom prst="blockArc">
               <a:avLst>
@@ -7523,7 +7606,7 @@
           <p:spPr>
             <a:xfrm>
               <a:off x="365760" y="1463040"/>
-              <a:ext cx="361440" cy="178560"/>
+              <a:ext cx="361080" cy="178200"/>
             </a:xfrm>
             <a:prstGeom prst="rect">
               <a:avLst/>
@@ -7554,9 +7637,9 @@
         <p:grpSpPr>
           <a:xfrm>
             <a:off x="4572000" y="1371600"/>
-            <a:ext cx="361440" cy="270000"/>
+            <a:ext cx="361080" cy="269640"/>
             <a:chOff x="4572000" y="1371600"/>
-            <a:chExt cx="361440" cy="270000"/>
+            <a:chExt cx="361080" cy="269640"/>
           </a:xfrm>
         </p:grpSpPr>
         <p:sp>
@@ -7568,7 +7651,7 @@
           <p:spPr>
             <a:xfrm>
               <a:off x="4663440" y="1371600"/>
-              <a:ext cx="178560" cy="178560"/>
+              <a:ext cx="178200" cy="178200"/>
             </a:xfrm>
             <a:prstGeom prst="blockArc">
               <a:avLst>
@@ -7602,7 +7685,7 @@
           <p:spPr>
             <a:xfrm>
               <a:off x="4572000" y="1463040"/>
-              <a:ext cx="361440" cy="178560"/>
+              <a:ext cx="361080" cy="178200"/>
             </a:xfrm>
             <a:prstGeom prst="rect">
               <a:avLst/>
@@ -7632,7 +7715,7 @@
           <p:spPr>
             <a:xfrm>
               <a:off x="4663440" y="1371600"/>
-              <a:ext cx="178560" cy="178560"/>
+              <a:ext cx="178200" cy="178200"/>
             </a:xfrm>
             <a:prstGeom prst="blockArc">
               <a:avLst>
@@ -7666,7 +7749,7 @@
           <p:spPr>
             <a:xfrm>
               <a:off x="4572000" y="1463040"/>
-              <a:ext cx="361440" cy="178560"/>
+              <a:ext cx="361080" cy="178200"/>
             </a:xfrm>
             <a:prstGeom prst="rect">
               <a:avLst/>
@@ -7697,9 +7780,9 @@
         <p:grpSpPr>
           <a:xfrm>
             <a:off x="4572000" y="1737360"/>
-            <a:ext cx="361440" cy="270000"/>
+            <a:ext cx="361080" cy="269640"/>
             <a:chOff x="4572000" y="1737360"/>
-            <a:chExt cx="361440" cy="270000"/>
+            <a:chExt cx="361080" cy="269640"/>
           </a:xfrm>
         </p:grpSpPr>
         <p:sp>
@@ -7711,7 +7794,7 @@
           <p:spPr>
             <a:xfrm>
               <a:off x="4663440" y="1737360"/>
-              <a:ext cx="178560" cy="178560"/>
+              <a:ext cx="178200" cy="178200"/>
             </a:xfrm>
             <a:prstGeom prst="blockArc">
               <a:avLst>
@@ -7745,7 +7828,7 @@
           <p:spPr>
             <a:xfrm>
               <a:off x="4572000" y="1828800"/>
-              <a:ext cx="361440" cy="178560"/>
+              <a:ext cx="361080" cy="178200"/>
             </a:xfrm>
             <a:prstGeom prst="rect">
               <a:avLst/>
@@ -7775,7 +7858,7 @@
           <p:spPr>
             <a:xfrm>
               <a:off x="4663440" y="1737360"/>
-              <a:ext cx="178560" cy="178560"/>
+              <a:ext cx="178200" cy="178200"/>
             </a:xfrm>
             <a:prstGeom prst="blockArc">
               <a:avLst>
@@ -7809,7 +7892,7 @@
           <p:spPr>
             <a:xfrm>
               <a:off x="4572000" y="1828800"/>
-              <a:ext cx="361440" cy="178560"/>
+              <a:ext cx="361080" cy="178200"/>
             </a:xfrm>
             <a:prstGeom prst="rect">
               <a:avLst/>
@@ -7840,7 +7923,7 @@
         <p:spPr>
           <a:xfrm>
             <a:off x="2103120" y="836280"/>
-            <a:ext cx="1180800" cy="256680"/>
+            <a:ext cx="1180440" cy="256320"/>
           </a:xfrm>
           <a:prstGeom prst="rect">
             <a:avLst/>
@@ -7938,7 +8021,7 @@
         <p:spPr>
           <a:xfrm>
             <a:off x="266400" y="143280"/>
-            <a:ext cx="4790520" cy="596520"/>
+            <a:ext cx="4790160" cy="596160"/>
           </a:xfrm>
           <a:prstGeom prst="rect">
             <a:avLst/>
@@ -7987,7 +8070,7 @@
         <p:spPr>
           <a:xfrm>
             <a:off x="548640" y="822960"/>
-            <a:ext cx="1275840" cy="369000"/>
+            <a:ext cx="1275480" cy="368640"/>
           </a:xfrm>
           <a:prstGeom prst="rect">
             <a:avLst/>
@@ -8040,7 +8123,7 @@
         <p:spPr>
           <a:xfrm>
             <a:off x="548640" y="1196280"/>
-            <a:ext cx="1275840" cy="369360"/>
+            <a:ext cx="1275480" cy="369000"/>
           </a:xfrm>
           <a:prstGeom prst="rect">
             <a:avLst/>
@@ -8121,7 +8204,7 @@
         <p:spPr>
           <a:xfrm>
             <a:off x="548640" y="1569960"/>
-            <a:ext cx="1275840" cy="369000"/>
+            <a:ext cx="1275480" cy="368640"/>
           </a:xfrm>
           <a:prstGeom prst="rect">
             <a:avLst/>
@@ -8174,7 +8257,7 @@
         <p:spPr>
           <a:xfrm>
             <a:off x="3474720" y="822960"/>
-            <a:ext cx="1275840" cy="369000"/>
+            <a:ext cx="1275480" cy="368640"/>
           </a:xfrm>
           <a:prstGeom prst="rect">
             <a:avLst/>
@@ -8227,7 +8310,7 @@
         <p:spPr>
           <a:xfrm>
             <a:off x="3474720" y="1196280"/>
-            <a:ext cx="1275840" cy="369360"/>
+            <a:ext cx="1275480" cy="369000"/>
           </a:xfrm>
           <a:prstGeom prst="rect">
             <a:avLst/>
@@ -8308,7 +8391,7 @@
         <p:spPr>
           <a:xfrm>
             <a:off x="3474720" y="1569960"/>
-            <a:ext cx="1275840" cy="369000"/>
+            <a:ext cx="1275480" cy="368640"/>
           </a:xfrm>
           <a:prstGeom prst="rect">
             <a:avLst/>
@@ -8361,7 +8444,7 @@
         <p:spPr>
           <a:xfrm>
             <a:off x="354240" y="2011680"/>
-            <a:ext cx="4670640" cy="1504440"/>
+            <a:ext cx="4670280" cy="1504080"/>
           </a:xfrm>
           <a:prstGeom prst="rect">
             <a:avLst/>
@@ -8690,7 +8773,7 @@
         <p:spPr>
           <a:xfrm>
             <a:off x="1828800" y="1371600"/>
-            <a:ext cx="1642320" cy="362160"/>
+            <a:ext cx="1641960" cy="361800"/>
           </a:xfrm>
           <a:custGeom>
             <a:avLst/>
@@ -8732,7 +8815,7 @@
         <p:spPr>
           <a:xfrm>
             <a:off x="1828800" y="1371600"/>
-            <a:ext cx="1642320" cy="362160"/>
+            <a:ext cx="1641960" cy="361800"/>
           </a:xfrm>
           <a:custGeom>
             <a:avLst/>
@@ -8774,9 +8857,9 @@
         <p:grpSpPr>
           <a:xfrm>
             <a:off x="365760" y="1737360"/>
-            <a:ext cx="361440" cy="270000"/>
+            <a:ext cx="361080" cy="269640"/>
             <a:chOff x="365760" y="1737360"/>
-            <a:chExt cx="361440" cy="270000"/>
+            <a:chExt cx="361080" cy="269640"/>
           </a:xfrm>
         </p:grpSpPr>
         <p:sp>
@@ -8788,7 +8871,7 @@
           <p:spPr>
             <a:xfrm>
               <a:off x="457200" y="1737360"/>
-              <a:ext cx="178560" cy="178560"/>
+              <a:ext cx="178200" cy="178200"/>
             </a:xfrm>
             <a:prstGeom prst="blockArc">
               <a:avLst>
@@ -8822,7 +8905,7 @@
           <p:spPr>
             <a:xfrm>
               <a:off x="365760" y="1828800"/>
-              <a:ext cx="361440" cy="178560"/>
+              <a:ext cx="361080" cy="178200"/>
             </a:xfrm>
             <a:prstGeom prst="rect">
               <a:avLst/>
@@ -8853,9 +8936,9 @@
         <p:grpSpPr>
           <a:xfrm>
             <a:off x="365760" y="1371600"/>
-            <a:ext cx="361440" cy="270000"/>
+            <a:ext cx="361080" cy="269640"/>
             <a:chOff x="365760" y="1371600"/>
-            <a:chExt cx="361440" cy="270000"/>
+            <a:chExt cx="361080" cy="269640"/>
           </a:xfrm>
         </p:grpSpPr>
         <p:sp>
@@ -8867,7 +8950,7 @@
           <p:spPr>
             <a:xfrm>
               <a:off x="457200" y="1371600"/>
-              <a:ext cx="178560" cy="178560"/>
+              <a:ext cx="178200" cy="178200"/>
             </a:xfrm>
             <a:prstGeom prst="blockArc">
               <a:avLst>
@@ -8901,7 +8984,7 @@
           <p:spPr>
             <a:xfrm>
               <a:off x="365760" y="1463040"/>
-              <a:ext cx="361440" cy="178560"/>
+              <a:ext cx="361080" cy="178200"/>
             </a:xfrm>
             <a:prstGeom prst="rect">
               <a:avLst/>
@@ -8931,7 +9014,7 @@
           <p:spPr>
             <a:xfrm>
               <a:off x="457200" y="1371600"/>
-              <a:ext cx="178560" cy="178560"/>
+              <a:ext cx="178200" cy="178200"/>
             </a:xfrm>
             <a:prstGeom prst="blockArc">
               <a:avLst>
@@ -8965,7 +9048,7 @@
           <p:spPr>
             <a:xfrm>
               <a:off x="365760" y="1463040"/>
-              <a:ext cx="361440" cy="178560"/>
+              <a:ext cx="361080" cy="178200"/>
             </a:xfrm>
             <a:prstGeom prst="rect">
               <a:avLst/>
@@ -8996,9 +9079,9 @@
         <p:grpSpPr>
           <a:xfrm>
             <a:off x="4572000" y="1371600"/>
-            <a:ext cx="361440" cy="270000"/>
+            <a:ext cx="361080" cy="269640"/>
             <a:chOff x="4572000" y="1371600"/>
-            <a:chExt cx="361440" cy="270000"/>
+            <a:chExt cx="361080" cy="269640"/>
           </a:xfrm>
         </p:grpSpPr>
         <p:sp>
@@ -9010,7 +9093,7 @@
           <p:spPr>
             <a:xfrm>
               <a:off x="4663440" y="1371600"/>
-              <a:ext cx="178560" cy="178560"/>
+              <a:ext cx="178200" cy="178200"/>
             </a:xfrm>
             <a:prstGeom prst="blockArc">
               <a:avLst>
@@ -9044,7 +9127,7 @@
           <p:spPr>
             <a:xfrm>
               <a:off x="4572000" y="1463040"/>
-              <a:ext cx="361440" cy="178560"/>
+              <a:ext cx="361080" cy="178200"/>
             </a:xfrm>
             <a:prstGeom prst="rect">
               <a:avLst/>
@@ -9074,7 +9157,7 @@
           <p:spPr>
             <a:xfrm>
               <a:off x="4663440" y="1371600"/>
-              <a:ext cx="178560" cy="178560"/>
+              <a:ext cx="178200" cy="178200"/>
             </a:xfrm>
             <a:prstGeom prst="blockArc">
               <a:avLst>
@@ -9108,7 +9191,7 @@
           <p:spPr>
             <a:xfrm>
               <a:off x="4572000" y="1463040"/>
-              <a:ext cx="361440" cy="178560"/>
+              <a:ext cx="361080" cy="178200"/>
             </a:xfrm>
             <a:prstGeom prst="rect">
               <a:avLst/>
@@ -9139,9 +9222,9 @@
         <p:grpSpPr>
           <a:xfrm>
             <a:off x="4572000" y="1737360"/>
-            <a:ext cx="361440" cy="270000"/>
+            <a:ext cx="361080" cy="269640"/>
             <a:chOff x="4572000" y="1737360"/>
-            <a:chExt cx="361440" cy="270000"/>
+            <a:chExt cx="361080" cy="269640"/>
           </a:xfrm>
         </p:grpSpPr>
         <p:sp>
@@ -9153,7 +9236,7 @@
           <p:spPr>
             <a:xfrm>
               <a:off x="4663440" y="1737360"/>
-              <a:ext cx="178560" cy="178560"/>
+              <a:ext cx="178200" cy="178200"/>
             </a:xfrm>
             <a:prstGeom prst="blockArc">
               <a:avLst>
@@ -9187,7 +9270,7 @@
           <p:spPr>
             <a:xfrm>
               <a:off x="4572000" y="1828800"/>
-              <a:ext cx="361440" cy="178560"/>
+              <a:ext cx="361080" cy="178200"/>
             </a:xfrm>
             <a:prstGeom prst="rect">
               <a:avLst/>
@@ -9217,7 +9300,7 @@
           <p:spPr>
             <a:xfrm>
               <a:off x="4663440" y="1737360"/>
-              <a:ext cx="178560" cy="178560"/>
+              <a:ext cx="178200" cy="178200"/>
             </a:xfrm>
             <a:prstGeom prst="blockArc">
               <a:avLst>
@@ -9251,7 +9334,7 @@
           <p:spPr>
             <a:xfrm>
               <a:off x="4572000" y="1828800"/>
-              <a:ext cx="361440" cy="178560"/>
+              <a:ext cx="361080" cy="178200"/>
             </a:xfrm>
             <a:prstGeom prst="rect">
               <a:avLst/>
@@ -9282,7 +9365,7 @@
         <p:spPr>
           <a:xfrm>
             <a:off x="2103120" y="836280"/>
-            <a:ext cx="1180800" cy="256680"/>
+            <a:ext cx="1180440" cy="256320"/>
           </a:xfrm>
           <a:prstGeom prst="rect">
             <a:avLst/>
@@ -9380,7 +9463,7 @@
         <p:spPr>
           <a:xfrm>
             <a:off x="266040" y="143640"/>
-            <a:ext cx="4790520" cy="596880"/>
+            <a:ext cx="4790160" cy="596520"/>
           </a:xfrm>
           <a:prstGeom prst="rect">
             <a:avLst/>
@@ -9429,7 +9512,7 @@
         <p:spPr>
           <a:xfrm>
             <a:off x="208800" y="1293480"/>
-            <a:ext cx="4933800" cy="1038600"/>
+            <a:ext cx="4933440" cy="1038240"/>
           </a:xfrm>
           <a:prstGeom prst="rect">
             <a:avLst/>
@@ -9678,7 +9761,7 @@
         <p:spPr>
           <a:xfrm>
             <a:off x="438120" y="659520"/>
-            <a:ext cx="4109400" cy="600480"/>
+            <a:ext cx="4408200" cy="600120"/>
           </a:xfrm>
           <a:prstGeom prst="rect">
             <a:avLst/>
@@ -9796,7 +9879,7 @@
         <p:spPr>
           <a:xfrm>
             <a:off x="266040" y="143640"/>
-            <a:ext cx="4790520" cy="596880"/>
+            <a:ext cx="4790160" cy="596520"/>
           </a:xfrm>
           <a:prstGeom prst="rect">
             <a:avLst/>
@@ -9845,7 +9928,7 @@
         <p:spPr>
           <a:xfrm>
             <a:off x="194400" y="365760"/>
-            <a:ext cx="4933800" cy="2324160"/>
+            <a:ext cx="4933440" cy="2323800"/>
           </a:xfrm>
           <a:prstGeom prst="rect">
             <a:avLst/>
@@ -10583,7 +10666,7 @@
         <p:spPr>
           <a:xfrm>
             <a:off x="266040" y="143640"/>
-            <a:ext cx="4790520" cy="596880"/>
+            <a:ext cx="4790160" cy="596520"/>
           </a:xfrm>
           <a:prstGeom prst="rect">
             <a:avLst/>
@@ -10632,7 +10715,7 @@
         <p:spPr>
           <a:xfrm>
             <a:off x="194400" y="365760"/>
-            <a:ext cx="4933800" cy="2324160"/>
+            <a:ext cx="4933440" cy="2323800"/>
           </a:xfrm>
           <a:prstGeom prst="rect">
             <a:avLst/>
@@ -11230,7 +11313,7 @@
         <p:spPr>
           <a:xfrm>
             <a:off x="266040" y="143640"/>
-            <a:ext cx="4790520" cy="596880"/>
+            <a:ext cx="4790160" cy="596520"/>
           </a:xfrm>
           <a:prstGeom prst="rect">
             <a:avLst/>
@@ -11279,7 +11362,7 @@
         <p:spPr>
           <a:xfrm>
             <a:off x="194400" y="365760"/>
-            <a:ext cx="4933800" cy="2324160"/>
+            <a:ext cx="4933440" cy="2323800"/>
           </a:xfrm>
           <a:prstGeom prst="rect">
             <a:avLst/>
@@ -11957,7 +12040,7 @@
         <p:spPr>
           <a:xfrm>
             <a:off x="266040" y="143640"/>
-            <a:ext cx="4790520" cy="596880"/>
+            <a:ext cx="4790160" cy="596520"/>
           </a:xfrm>
           <a:prstGeom prst="rect">
             <a:avLst/>
@@ -12006,7 +12089,7 @@
         <p:spPr>
           <a:xfrm>
             <a:off x="194400" y="365760"/>
-            <a:ext cx="4933800" cy="2324160"/>
+            <a:ext cx="4933440" cy="2323800"/>
           </a:xfrm>
           <a:prstGeom prst="rect">
             <a:avLst/>
@@ -12354,7 +12437,7 @@
         <p:spPr>
           <a:xfrm>
             <a:off x="266040" y="143640"/>
-            <a:ext cx="4790520" cy="596880"/>
+            <a:ext cx="4790160" cy="596520"/>
           </a:xfrm>
           <a:prstGeom prst="rect">
             <a:avLst/>
@@ -12403,7 +12486,7 @@
         <p:spPr>
           <a:xfrm>
             <a:off x="266040" y="842400"/>
-            <a:ext cx="4790520" cy="2083680"/>
+            <a:ext cx="4790160" cy="2083320"/>
           </a:xfrm>
           <a:prstGeom prst="rect">
             <a:avLst/>
@@ -12424,7 +12507,7 @@
             <a:normAutofit/>
           </a:bodyPr>
           <a:p>
-            <a:pPr marL="432000" indent="-320040">
+            <a:pPr marL="432000" indent="-319680">
               <a:lnSpc>
                 <a:spcPct val="100000"/>
               </a:lnSpc>
@@ -12453,7 +12536,7 @@
             </a:endParaRPr>
           </a:p>
           <a:p>
-            <a:pPr marL="432000" indent="-320040">
+            <a:pPr marL="432000" indent="-319680">
               <a:lnSpc>
                 <a:spcPct val="100000"/>
               </a:lnSpc>
@@ -12482,7 +12565,7 @@
             </a:endParaRPr>
           </a:p>
           <a:p>
-            <a:pPr marL="432000" indent="-320040">
+            <a:pPr marL="432000" indent="-319680">
               <a:lnSpc>
                 <a:spcPct val="100000"/>
               </a:lnSpc>
@@ -12570,7 +12653,7 @@
         <p:spPr>
           <a:xfrm>
             <a:off x="266040" y="143640"/>
-            <a:ext cx="4790520" cy="596880"/>
+            <a:ext cx="4790160" cy="596520"/>
           </a:xfrm>
           <a:prstGeom prst="rect">
             <a:avLst/>
@@ -12619,7 +12702,7 @@
         <p:spPr>
           <a:xfrm>
             <a:off x="194400" y="365760"/>
-            <a:ext cx="4933800" cy="2324160"/>
+            <a:ext cx="4933440" cy="2323800"/>
           </a:xfrm>
           <a:prstGeom prst="rect">
             <a:avLst/>
@@ -13407,7 +13490,7 @@
         <p:spPr>
           <a:xfrm>
             <a:off x="266040" y="143640"/>
-            <a:ext cx="4790520" cy="596880"/>
+            <a:ext cx="4790160" cy="596520"/>
           </a:xfrm>
           <a:prstGeom prst="rect">
             <a:avLst/>
@@ -13456,7 +13539,7 @@
         <p:spPr>
           <a:xfrm>
             <a:off x="194400" y="365760"/>
-            <a:ext cx="4933800" cy="2324160"/>
+            <a:ext cx="4933440" cy="2323800"/>
           </a:xfrm>
           <a:prstGeom prst="rect">
             <a:avLst/>
@@ -13994,7 +14077,7 @@
         <p:spPr>
           <a:xfrm>
             <a:off x="266400" y="131040"/>
-            <a:ext cx="4790520" cy="621360"/>
+            <a:ext cx="4790160" cy="621000"/>
           </a:xfrm>
           <a:prstGeom prst="rect">
             <a:avLst/>
@@ -14043,7 +14126,7 @@
         <p:spPr>
           <a:xfrm>
             <a:off x="266400" y="842040"/>
-            <a:ext cx="4790520" cy="2083320"/>
+            <a:ext cx="4790160" cy="2082960"/>
           </a:xfrm>
           <a:prstGeom prst="rect">
             <a:avLst/>
@@ -14064,7 +14147,7 @@
             <a:normAutofit/>
           </a:bodyPr>
           <a:p>
-            <a:pPr marL="432000" indent="-320400">
+            <a:pPr marL="432000" indent="-320040">
               <a:lnSpc>
                 <a:spcPct val="100000"/>
               </a:lnSpc>
@@ -14093,7 +14176,7 @@
             </a:endParaRPr>
           </a:p>
           <a:p>
-            <a:pPr marL="432000" indent="-320400">
+            <a:pPr marL="432000" indent="-320040">
               <a:lnSpc>
                 <a:spcPct val="100000"/>
               </a:lnSpc>
@@ -14115,14 +14198,14 @@
                 <a:latin typeface="Arial"/>
                 <a:ea typeface="DejaVu Sans"/>
               </a:rPr>
-              <a:t>Nu oprește thread-ul</a:t>
+              <a:t>Nu întrerupe thread-ul</a:t>
             </a:r>
             <a:endParaRPr b="0" lang="en-US" sz="1800" spc="-1" strike="noStrike">
               <a:latin typeface="Arial"/>
             </a:endParaRPr>
           </a:p>
           <a:p>
-            <a:pPr marL="432000" indent="-320400">
+            <a:pPr marL="432000" indent="-320040">
               <a:lnSpc>
                 <a:spcPct val="100000"/>
               </a:lnSpc>
@@ -14210,7 +14293,7 @@
         <p:spPr>
           <a:xfrm>
             <a:off x="266040" y="143640"/>
-            <a:ext cx="4790520" cy="596880"/>
+            <a:ext cx="4790160" cy="596520"/>
           </a:xfrm>
           <a:prstGeom prst="rect">
             <a:avLst/>
@@ -14259,7 +14342,7 @@
         <p:spPr>
           <a:xfrm>
             <a:off x="266040" y="842400"/>
-            <a:ext cx="4790520" cy="2083680"/>
+            <a:ext cx="4790160" cy="2083320"/>
           </a:xfrm>
           <a:prstGeom prst="rect">
             <a:avLst/>
@@ -14280,7 +14363,7 @@
             <a:normAutofit/>
           </a:bodyPr>
           <a:p>
-            <a:pPr marL="432000" indent="-320040">
+            <a:pPr marL="432000" indent="-319680">
               <a:lnSpc>
                 <a:spcPct val="100000"/>
               </a:lnSpc>
@@ -14309,7 +14392,7 @@
             </a:endParaRPr>
           </a:p>
           <a:p>
-            <a:pPr marL="432000" indent="-320040">
+            <a:pPr marL="432000" indent="-319680">
               <a:lnSpc>
                 <a:spcPct val="100000"/>
               </a:lnSpc>
@@ -14331,14 +14414,14 @@
                 <a:latin typeface="Arial"/>
                 <a:ea typeface="DejaVu Sans"/>
               </a:rPr>
-              <a:t>Blochează thread-uri până când un anumit număr de thread-uri a accesat bariera, apoi se resetează</a:t>
+              <a:t>Când un prim thread ajunge la un exchanger, îi transmite o variabilă și așteaptă</a:t>
             </a:r>
             <a:endParaRPr b="0" lang="en-US" sz="1800" spc="-1" strike="noStrike">
               <a:latin typeface="Arial"/>
             </a:endParaRPr>
           </a:p>
           <a:p>
-            <a:pPr marL="432000" indent="-320040">
+            <a:pPr marL="432000" indent="-319680">
               <a:lnSpc>
                 <a:spcPct val="100000"/>
               </a:lnSpc>
@@ -14360,7 +14443,7 @@
                 <a:latin typeface="Arial"/>
                 <a:ea typeface="DejaVu Sans"/>
               </a:rPr>
-              <a:t>Pot declanșa un runnable de fiecare dată când acest lucru se întâmplă</a:t>
+              <a:t>Când un alt thread ajunge la exchanger, îi transmite încă o variabilă care face schimb cu prima variabilă, apoi cele două thread-uri continuă</a:t>
             </a:r>
             <a:endParaRPr b="0" lang="en-US" sz="1800" spc="-1" strike="noStrike">
               <a:latin typeface="Arial"/>
@@ -14426,7 +14509,7 @@
         <p:spPr>
           <a:xfrm>
             <a:off x="266040" y="143640"/>
-            <a:ext cx="4790520" cy="596880"/>
+            <a:ext cx="4790160" cy="596520"/>
           </a:xfrm>
           <a:prstGeom prst="rect">
             <a:avLst/>
@@ -14475,7 +14558,7 @@
         <p:spPr>
           <a:xfrm>
             <a:off x="266040" y="842400"/>
-            <a:ext cx="4790520" cy="2083680"/>
+            <a:ext cx="4790160" cy="2083320"/>
           </a:xfrm>
           <a:prstGeom prst="rect">
             <a:avLst/>
@@ -14501,7 +14584,7 @@
         <p:spPr>
           <a:xfrm>
             <a:off x="194400" y="644760"/>
-            <a:ext cx="4933800" cy="2324160"/>
+            <a:ext cx="4933440" cy="2323800"/>
           </a:xfrm>
           <a:prstGeom prst="rect">
             <a:avLst/>
@@ -15229,7 +15312,7 @@
         <p:spPr>
           <a:xfrm>
             <a:off x="266040" y="143640"/>
-            <a:ext cx="4790520" cy="596880"/>
+            <a:ext cx="4790160" cy="596520"/>
           </a:xfrm>
           <a:prstGeom prst="rect">
             <a:avLst/>
@@ -15278,7 +15361,7 @@
         <p:spPr>
           <a:xfrm>
             <a:off x="266040" y="842400"/>
-            <a:ext cx="4790520" cy="2083680"/>
+            <a:ext cx="4790160" cy="2083320"/>
           </a:xfrm>
           <a:prstGeom prst="rect">
             <a:avLst/>
@@ -15304,7 +15387,7 @@
         <p:spPr>
           <a:xfrm>
             <a:off x="194400" y="644760"/>
-            <a:ext cx="4933800" cy="2324160"/>
+            <a:ext cx="4933440" cy="2323800"/>
           </a:xfrm>
           <a:prstGeom prst="rect">
             <a:avLst/>
@@ -15962,7 +16045,7 @@
         <p:spPr>
           <a:xfrm>
             <a:off x="266040" y="143640"/>
-            <a:ext cx="4790520" cy="596880"/>
+            <a:ext cx="4790160" cy="596520"/>
           </a:xfrm>
           <a:prstGeom prst="rect">
             <a:avLst/>
@@ -16011,7 +16094,7 @@
         <p:spPr>
           <a:xfrm>
             <a:off x="266040" y="842400"/>
-            <a:ext cx="4790520" cy="2083680"/>
+            <a:ext cx="4790160" cy="2083320"/>
           </a:xfrm>
           <a:prstGeom prst="rect">
             <a:avLst/>
@@ -16032,7 +16115,7 @@
             <a:normAutofit/>
           </a:bodyPr>
           <a:p>
-            <a:pPr marL="432000" indent="-320040">
+            <a:pPr marL="432000" indent="-319680">
               <a:lnSpc>
                 <a:spcPct val="100000"/>
               </a:lnSpc>
@@ -16061,7 +16144,7 @@
             </a:endParaRPr>
           </a:p>
           <a:p>
-            <a:pPr marL="432000" indent="-320040">
+            <a:pPr marL="432000" indent="-319680">
               <a:lnSpc>
                 <a:spcPct val="100000"/>
               </a:lnSpc>
@@ -16090,7 +16173,7 @@
             </a:endParaRPr>
           </a:p>
           <a:p>
-            <a:pPr marL="432000" indent="-320040">
+            <a:pPr marL="432000" indent="-319680">
               <a:lnSpc>
                 <a:spcPct val="100000"/>
               </a:lnSpc>
@@ -16178,7 +16261,7 @@
         <p:spPr>
           <a:xfrm>
             <a:off x="266040" y="143640"/>
-            <a:ext cx="4790520" cy="596880"/>
+            <a:ext cx="4790160" cy="596520"/>
           </a:xfrm>
           <a:prstGeom prst="rect">
             <a:avLst/>
@@ -16227,7 +16310,7 @@
         <p:spPr>
           <a:xfrm>
             <a:off x="266040" y="842400"/>
-            <a:ext cx="4790520" cy="2083680"/>
+            <a:ext cx="4790160" cy="2083320"/>
           </a:xfrm>
           <a:prstGeom prst="rect">
             <a:avLst/>
@@ -16253,7 +16336,7 @@
         <p:spPr>
           <a:xfrm>
             <a:off x="194400" y="644760"/>
-            <a:ext cx="4933800" cy="2324160"/>
+            <a:ext cx="4933440" cy="2323800"/>
           </a:xfrm>
           <a:prstGeom prst="rect">
             <a:avLst/>
@@ -16971,7 +17054,7 @@
         <p:spPr>
           <a:xfrm>
             <a:off x="266040" y="143640"/>
-            <a:ext cx="4790520" cy="596880"/>
+            <a:ext cx="4790160" cy="596520"/>
           </a:xfrm>
           <a:prstGeom prst="rect">
             <a:avLst/>
@@ -17020,7 +17103,7 @@
         <p:spPr>
           <a:xfrm>
             <a:off x="266040" y="842400"/>
-            <a:ext cx="4790520" cy="2083680"/>
+            <a:ext cx="4790160" cy="2083320"/>
           </a:xfrm>
           <a:prstGeom prst="rect">
             <a:avLst/>
@@ -17046,7 +17129,7 @@
         <p:spPr>
           <a:xfrm>
             <a:off x="194400" y="644760"/>
-            <a:ext cx="4933800" cy="2324160"/>
+            <a:ext cx="4933440" cy="2323800"/>
           </a:xfrm>
           <a:prstGeom prst="rect">
             <a:avLst/>
@@ -17508,37 +17591,37 @@
                 <a:latin typeface="Arial"/>
                 <a:ea typeface="DejaVu Sans"/>
               </a:rPr>
+              <a:t>exec.submit(waitingTask);</a:t>
+            </a:r>
+            <a:endParaRPr b="0" lang="en-US" sz="1000" spc="-1" strike="noStrike">
+              <a:latin typeface="Arial"/>
+            </a:endParaRPr>
+          </a:p>
+          <a:p>
+            <a:pPr>
+              <a:lnSpc>
+                <a:spcPct val="100000"/>
+              </a:lnSpc>
+            </a:pPr>
+            <a:r>
+              <a:rPr b="0" lang="en-US" sz="1000" spc="-1" strike="noStrike">
+                <a:solidFill>
+                  <a:srgbClr val="000000"/>
+                </a:solidFill>
+                <a:latin typeface="Arial"/>
+                <a:ea typeface="DejaVu Sans"/>
+              </a:rPr>
+              <a:t>        </a:t>
+            </a:r>
+            <a:r>
+              <a:rPr b="0" lang="en-US" sz="1000" spc="-1" strike="noStrike">
+                <a:solidFill>
+                  <a:srgbClr val="000000"/>
+                </a:solidFill>
+                <a:latin typeface="Arial"/>
+                <a:ea typeface="DejaVu Sans"/>
+              </a:rPr>
               <a:t>exec.submit((Runnable) latchTask);</a:t>
-            </a:r>
-            <a:endParaRPr b="0" lang="en-US" sz="1000" spc="-1" strike="noStrike">
-              <a:latin typeface="Arial"/>
-            </a:endParaRPr>
-          </a:p>
-          <a:p>
-            <a:pPr>
-              <a:lnSpc>
-                <a:spcPct val="100000"/>
-              </a:lnSpc>
-            </a:pPr>
-            <a:r>
-              <a:rPr b="0" lang="en-US" sz="1000" spc="-1" strike="noStrike">
-                <a:solidFill>
-                  <a:srgbClr val="000000"/>
-                </a:solidFill>
-                <a:latin typeface="Arial"/>
-                <a:ea typeface="DejaVu Sans"/>
-              </a:rPr>
-              <a:t>        </a:t>
-            </a:r>
-            <a:r>
-              <a:rPr b="0" lang="en-US" sz="1000" spc="-1" strike="noStrike">
-                <a:solidFill>
-                  <a:srgbClr val="000000"/>
-                </a:solidFill>
-                <a:latin typeface="Arial"/>
-                <a:ea typeface="DejaVu Sans"/>
-              </a:rPr>
-              <a:t>exec.submit(waitingTask);</a:t>
             </a:r>
             <a:endParaRPr b="0" lang="en-US" sz="1000" spc="-1" strike="noStrike">
               <a:latin typeface="Arial"/>
@@ -17764,7 +17847,7 @@
         <p:spPr>
           <a:xfrm>
             <a:off x="266040" y="143640"/>
-            <a:ext cx="4790520" cy="596880"/>
+            <a:ext cx="4790160" cy="596520"/>
           </a:xfrm>
           <a:prstGeom prst="rect">
             <a:avLst/>
@@ -17813,7 +17896,7 @@
         <p:spPr>
           <a:xfrm>
             <a:off x="266040" y="842400"/>
-            <a:ext cx="4790520" cy="2083680"/>
+            <a:ext cx="4790160" cy="2083320"/>
           </a:xfrm>
           <a:prstGeom prst="rect">
             <a:avLst/>
@@ -17834,7 +17917,7 @@
             <a:normAutofit/>
           </a:bodyPr>
           <a:p>
-            <a:pPr marL="432000" indent="-320040">
+            <a:pPr marL="432000" indent="-319680">
               <a:lnSpc>
                 <a:spcPct val="100000"/>
               </a:lnSpc>
@@ -17863,7 +17946,7 @@
             </a:endParaRPr>
           </a:p>
           <a:p>
-            <a:pPr marL="432000" indent="-320040">
+            <a:pPr marL="432000" indent="-319680">
               <a:lnSpc>
                 <a:spcPct val="100000"/>
               </a:lnSpc>
@@ -17892,7 +17975,7 @@
             </a:endParaRPr>
           </a:p>
           <a:p>
-            <a:pPr marL="432000" indent="-320040">
+            <a:pPr marL="432000" indent="-319680">
               <a:lnSpc>
                 <a:spcPct val="100000"/>
               </a:lnSpc>
@@ -17980,7 +18063,7 @@
         <p:spPr>
           <a:xfrm>
             <a:off x="266040" y="143640"/>
-            <a:ext cx="4790520" cy="596880"/>
+            <a:ext cx="4790160" cy="596520"/>
           </a:xfrm>
           <a:prstGeom prst="rect">
             <a:avLst/>
@@ -18029,7 +18112,7 @@
         <p:spPr>
           <a:xfrm>
             <a:off x="266040" y="842400"/>
-            <a:ext cx="4790520" cy="2083680"/>
+            <a:ext cx="4790160" cy="2083320"/>
           </a:xfrm>
           <a:prstGeom prst="rect">
             <a:avLst/>
@@ -18055,7 +18138,7 @@
         <p:spPr>
           <a:xfrm>
             <a:off x="194400" y="644760"/>
-            <a:ext cx="4933800" cy="2324160"/>
+            <a:ext cx="4933440" cy="2323800"/>
           </a:xfrm>
           <a:prstGeom prst="rect">
             <a:avLst/>
@@ -18683,7 +18766,7 @@
         <p:spPr>
           <a:xfrm>
             <a:off x="266040" y="143640"/>
-            <a:ext cx="4790520" cy="596880"/>
+            <a:ext cx="4790160" cy="596520"/>
           </a:xfrm>
           <a:prstGeom prst="rect">
             <a:avLst/>
@@ -18732,7 +18815,7 @@
         <p:spPr>
           <a:xfrm>
             <a:off x="266040" y="842400"/>
-            <a:ext cx="4790520" cy="2083680"/>
+            <a:ext cx="4790160" cy="2083320"/>
           </a:xfrm>
           <a:prstGeom prst="rect">
             <a:avLst/>
@@ -18758,7 +18841,7 @@
         <p:spPr>
           <a:xfrm>
             <a:off x="194400" y="644760"/>
-            <a:ext cx="4933800" cy="2324160"/>
+            <a:ext cx="4933440" cy="2323800"/>
           </a:xfrm>
           <a:prstGeom prst="rect">
             <a:avLst/>
@@ -19116,7 +19199,7 @@
         <p:spPr>
           <a:xfrm>
             <a:off x="266040" y="143640"/>
-            <a:ext cx="4790520" cy="596880"/>
+            <a:ext cx="4790160" cy="596520"/>
           </a:xfrm>
           <a:prstGeom prst="rect">
             <a:avLst/>
@@ -19165,7 +19248,7 @@
         <p:spPr>
           <a:xfrm>
             <a:off x="266040" y="842400"/>
-            <a:ext cx="4671720" cy="2083680"/>
+            <a:ext cx="4671360" cy="2083320"/>
           </a:xfrm>
           <a:prstGeom prst="rect">
             <a:avLst/>
@@ -19186,7 +19269,7 @@
             <a:normAutofit/>
           </a:bodyPr>
           <a:p>
-            <a:pPr marL="432000" indent="-320040">
+            <a:pPr marL="432000" indent="-319680">
               <a:lnSpc>
                 <a:spcPct val="100000"/>
               </a:lnSpc>
@@ -19215,7 +19298,7 @@
             </a:endParaRPr>
           </a:p>
           <a:p>
-            <a:pPr marL="432000" indent="-320040">
+            <a:pPr marL="432000" indent="-319680">
               <a:lnSpc>
                 <a:spcPct val="100000"/>
               </a:lnSpc>
@@ -19244,7 +19327,7 @@
             </a:endParaRPr>
           </a:p>
           <a:p>
-            <a:pPr marL="432000" indent="-320040">
+            <a:pPr marL="432000" indent="-319680">
               <a:lnSpc>
                 <a:spcPct val="100000"/>
               </a:lnSpc>
@@ -19332,7 +19415,7 @@
         <p:spPr>
           <a:xfrm>
             <a:off x="266040" y="143640"/>
-            <a:ext cx="4790520" cy="596880"/>
+            <a:ext cx="4790160" cy="596520"/>
           </a:xfrm>
           <a:prstGeom prst="rect">
             <a:avLst/>
@@ -19381,7 +19464,7 @@
         <p:spPr>
           <a:xfrm>
             <a:off x="182880" y="822960"/>
-            <a:ext cx="5025240" cy="2355840"/>
+            <a:ext cx="5024880" cy="2355480"/>
           </a:xfrm>
           <a:prstGeom prst="rect">
             <a:avLst/>
@@ -20029,7 +20112,7 @@
         <p:spPr>
           <a:xfrm>
             <a:off x="266040" y="143640"/>
-            <a:ext cx="4790520" cy="596880"/>
+            <a:ext cx="4790160" cy="596520"/>
           </a:xfrm>
           <a:prstGeom prst="rect">
             <a:avLst/>
@@ -20078,7 +20161,7 @@
         <p:spPr>
           <a:xfrm>
             <a:off x="266040" y="842400"/>
-            <a:ext cx="4790520" cy="2083680"/>
+            <a:ext cx="4790160" cy="2083320"/>
           </a:xfrm>
           <a:prstGeom prst="rect">
             <a:avLst/>
@@ -20104,7 +20187,7 @@
         <p:spPr>
           <a:xfrm>
             <a:off x="194400" y="644760"/>
-            <a:ext cx="4933800" cy="2324160"/>
+            <a:ext cx="4933440" cy="2323800"/>
           </a:xfrm>
           <a:prstGeom prst="rect">
             <a:avLst/>
@@ -20732,7 +20815,7 @@
         <p:spPr>
           <a:xfrm>
             <a:off x="266040" y="143640"/>
-            <a:ext cx="4790520" cy="596880"/>
+            <a:ext cx="4790160" cy="596520"/>
           </a:xfrm>
           <a:prstGeom prst="rect">
             <a:avLst/>
@@ -20781,7 +20864,7 @@
         <p:spPr>
           <a:xfrm>
             <a:off x="266040" y="842400"/>
-            <a:ext cx="4790520" cy="2083680"/>
+            <a:ext cx="4790160" cy="2083320"/>
           </a:xfrm>
           <a:prstGeom prst="rect">
             <a:avLst/>
@@ -20807,7 +20890,7 @@
         <p:spPr>
           <a:xfrm>
             <a:off x="194400" y="644760"/>
-            <a:ext cx="4933800" cy="2324160"/>
+            <a:ext cx="4933440" cy="2323800"/>
           </a:xfrm>
           <a:prstGeom prst="rect">
             <a:avLst/>
@@ -21375,7 +21458,7 @@
         <p:spPr>
           <a:xfrm>
             <a:off x="266040" y="143640"/>
-            <a:ext cx="4790520" cy="596880"/>
+            <a:ext cx="4790160" cy="596520"/>
           </a:xfrm>
           <a:prstGeom prst="rect">
             <a:avLst/>
@@ -21424,7 +21507,7 @@
         <p:spPr>
           <a:xfrm>
             <a:off x="266040" y="842400"/>
-            <a:ext cx="4790520" cy="2083680"/>
+            <a:ext cx="4790160" cy="2083320"/>
           </a:xfrm>
           <a:prstGeom prst="rect">
             <a:avLst/>
@@ -21450,7 +21533,7 @@
         <p:spPr>
           <a:xfrm>
             <a:off x="194400" y="644760"/>
-            <a:ext cx="4933800" cy="2324160"/>
+            <a:ext cx="4933440" cy="2323800"/>
           </a:xfrm>
           <a:prstGeom prst="rect">
             <a:avLst/>
@@ -21848,7 +21931,7 @@
         <p:spPr>
           <a:xfrm>
             <a:off x="266040" y="143640"/>
-            <a:ext cx="4790520" cy="596880"/>
+            <a:ext cx="4790160" cy="596520"/>
           </a:xfrm>
           <a:prstGeom prst="rect">
             <a:avLst/>
@@ -21897,7 +21980,7 @@
         <p:spPr>
           <a:xfrm>
             <a:off x="266040" y="842400"/>
-            <a:ext cx="4671720" cy="2083680"/>
+            <a:ext cx="4671360" cy="2083320"/>
           </a:xfrm>
           <a:prstGeom prst="rect">
             <a:avLst/>
@@ -21918,7 +22001,7 @@
             <a:normAutofit/>
           </a:bodyPr>
           <a:p>
-            <a:pPr marL="432000" indent="-320040">
+            <a:pPr marL="432000" indent="-319680">
               <a:lnSpc>
                 <a:spcPct val="100000"/>
               </a:lnSpc>
@@ -21947,7 +22030,7 @@
             </a:endParaRPr>
           </a:p>
           <a:p>
-            <a:pPr marL="432000" indent="-320040">
+            <a:pPr marL="432000" indent="-319680">
               <a:lnSpc>
                 <a:spcPct val="100000"/>
               </a:lnSpc>
@@ -21976,7 +22059,7 @@
             </a:endParaRPr>
           </a:p>
           <a:p>
-            <a:pPr marL="432000" indent="-320040">
+            <a:pPr marL="432000" indent="-319680">
               <a:lnSpc>
                 <a:spcPct val="100000"/>
               </a:lnSpc>
@@ -22005,7 +22088,7 @@
             </a:endParaRPr>
           </a:p>
           <a:p>
-            <a:pPr marL="432000" indent="-320040">
+            <a:pPr marL="432000" indent="-319680">
               <a:lnSpc>
                 <a:spcPct val="100000"/>
               </a:lnSpc>
@@ -22106,7 +22189,7 @@
         <p:spPr>
           <a:xfrm>
             <a:off x="266040" y="143640"/>
-            <a:ext cx="4790520" cy="596880"/>
+            <a:ext cx="4790160" cy="596520"/>
           </a:xfrm>
           <a:prstGeom prst="rect">
             <a:avLst/>
@@ -22155,7 +22238,7 @@
         <p:spPr>
           <a:xfrm>
             <a:off x="266040" y="842400"/>
-            <a:ext cx="4790520" cy="2083680"/>
+            <a:ext cx="4790160" cy="2083320"/>
           </a:xfrm>
           <a:prstGeom prst="rect">
             <a:avLst/>
@@ -22181,7 +22264,7 @@
         <p:spPr>
           <a:xfrm>
             <a:off x="194400" y="644760"/>
-            <a:ext cx="4933800" cy="2324160"/>
+            <a:ext cx="4933440" cy="2323800"/>
           </a:xfrm>
           <a:prstGeom prst="rect">
             <a:avLst/>
@@ -22729,7 +22812,7 @@
         <p:spPr>
           <a:xfrm>
             <a:off x="266040" y="143640"/>
-            <a:ext cx="4790520" cy="596880"/>
+            <a:ext cx="4790160" cy="596520"/>
           </a:xfrm>
           <a:prstGeom prst="rect">
             <a:avLst/>
@@ -22778,7 +22861,7 @@
         <p:spPr>
           <a:xfrm>
             <a:off x="266040" y="842400"/>
-            <a:ext cx="4790520" cy="2083680"/>
+            <a:ext cx="4790160" cy="2083320"/>
           </a:xfrm>
           <a:prstGeom prst="rect">
             <a:avLst/>
@@ -22804,7 +22887,7 @@
         <p:spPr>
           <a:xfrm>
             <a:off x="194400" y="644760"/>
-            <a:ext cx="4933800" cy="2324160"/>
+            <a:ext cx="4933440" cy="2323800"/>
           </a:xfrm>
           <a:prstGeom prst="rect">
             <a:avLst/>
@@ -23302,7 +23385,7 @@
         <p:spPr>
           <a:xfrm>
             <a:off x="266040" y="143640"/>
-            <a:ext cx="4790520" cy="596880"/>
+            <a:ext cx="4790160" cy="596520"/>
           </a:xfrm>
           <a:prstGeom prst="rect">
             <a:avLst/>
@@ -23351,7 +23434,7 @@
         <p:spPr>
           <a:xfrm>
             <a:off x="266040" y="842400"/>
-            <a:ext cx="4790520" cy="2083680"/>
+            <a:ext cx="4790160" cy="2083320"/>
           </a:xfrm>
           <a:prstGeom prst="rect">
             <a:avLst/>
@@ -23372,7 +23455,7 @@
             <a:normAutofit/>
           </a:bodyPr>
           <a:p>
-            <a:pPr marL="432000" indent="-320040">
+            <a:pPr marL="432000" indent="-319680">
               <a:lnSpc>
                 <a:spcPct val="100000"/>
               </a:lnSpc>
@@ -23401,7 +23484,7 @@
             </a:endParaRPr>
           </a:p>
           <a:p>
-            <a:pPr marL="432000" indent="-320040">
+            <a:pPr marL="432000" indent="-319680">
               <a:lnSpc>
                 <a:spcPct val="100000"/>
               </a:lnSpc>
@@ -23430,7 +23513,7 @@
             </a:endParaRPr>
           </a:p>
           <a:p>
-            <a:pPr marL="432000" indent="-320040">
+            <a:pPr marL="432000" indent="-319680">
               <a:lnSpc>
                 <a:spcPct val="100000"/>
               </a:lnSpc>
@@ -23459,7 +23542,7 @@
             </a:endParaRPr>
           </a:p>
           <a:p>
-            <a:pPr marL="432000" indent="-320040">
+            <a:pPr marL="432000" indent="-319680">
               <a:lnSpc>
                 <a:spcPct val="100000"/>
               </a:lnSpc>
@@ -23488,7 +23571,7 @@
             </a:endParaRPr>
           </a:p>
           <a:p>
-            <a:pPr marL="432000" indent="-320040">
+            <a:pPr marL="432000" indent="-319680">
               <a:lnSpc>
                 <a:spcPct val="100000"/>
               </a:lnSpc>
@@ -23576,7 +23659,7 @@
         <p:spPr>
           <a:xfrm>
             <a:off x="266040" y="143640"/>
-            <a:ext cx="4790520" cy="596880"/>
+            <a:ext cx="4790160" cy="596520"/>
           </a:xfrm>
           <a:prstGeom prst="rect">
             <a:avLst/>
@@ -23625,7 +23708,7 @@
         <p:spPr>
           <a:xfrm>
             <a:off x="266040" y="842400"/>
-            <a:ext cx="4790520" cy="2083680"/>
+            <a:ext cx="4790160" cy="2083320"/>
           </a:xfrm>
           <a:prstGeom prst="rect">
             <a:avLst/>
@@ -23646,7 +23729,7 @@
             <a:normAutofit/>
           </a:bodyPr>
           <a:p>
-            <a:pPr marL="432000" indent="-320040">
+            <a:pPr marL="432000" indent="-319680">
               <a:lnSpc>
                 <a:spcPct val="100000"/>
               </a:lnSpc>
@@ -23675,7 +23758,7 @@
             </a:endParaRPr>
           </a:p>
           <a:p>
-            <a:pPr marL="432000" indent="-320040">
+            <a:pPr marL="432000" indent="-319680">
               <a:lnSpc>
                 <a:spcPct val="100000"/>
               </a:lnSpc>
@@ -23704,7 +23787,7 @@
             </a:endParaRPr>
           </a:p>
           <a:p>
-            <a:pPr marL="432000" indent="-320040">
+            <a:pPr marL="432000" indent="-319680">
               <a:lnSpc>
                 <a:spcPct val="100000"/>
               </a:lnSpc>
@@ -23792,7 +23875,7 @@
         <p:spPr>
           <a:xfrm>
             <a:off x="266040" y="143640"/>
-            <a:ext cx="4790520" cy="596880"/>
+            <a:ext cx="4790160" cy="596520"/>
           </a:xfrm>
           <a:prstGeom prst="rect">
             <a:avLst/>
@@ -23841,7 +23924,7 @@
         <p:spPr>
           <a:xfrm>
             <a:off x="266040" y="842400"/>
-            <a:ext cx="4790520" cy="2083680"/>
+            <a:ext cx="4790160" cy="2083320"/>
           </a:xfrm>
           <a:prstGeom prst="rect">
             <a:avLst/>
@@ -23862,7 +23945,7 @@
             <a:normAutofit/>
           </a:bodyPr>
           <a:p>
-            <a:pPr marL="432000" indent="-320040">
+            <a:pPr marL="432000" indent="-319680">
               <a:lnSpc>
                 <a:spcPct val="100000"/>
               </a:lnSpc>
@@ -23891,7 +23974,7 @@
             </a:endParaRPr>
           </a:p>
           <a:p>
-            <a:pPr marL="432000" indent="-320040">
+            <a:pPr marL="432000" indent="-319680">
               <a:lnSpc>
                 <a:spcPct val="100000"/>
               </a:lnSpc>
@@ -23920,7 +24003,7 @@
             </a:endParaRPr>
           </a:p>
           <a:p>
-            <a:pPr marL="432000" indent="-320040">
+            <a:pPr marL="432000" indent="-319680">
               <a:lnSpc>
                 <a:spcPct val="100000"/>
               </a:lnSpc>
@@ -24008,7 +24091,7 @@
         <p:spPr>
           <a:xfrm>
             <a:off x="266040" y="143640"/>
-            <a:ext cx="4790520" cy="596880"/>
+            <a:ext cx="4790160" cy="596520"/>
           </a:xfrm>
           <a:prstGeom prst="rect">
             <a:avLst/>
@@ -24057,7 +24140,7 @@
         <p:spPr>
           <a:xfrm>
             <a:off x="266040" y="842400"/>
-            <a:ext cx="4790520" cy="2083680"/>
+            <a:ext cx="4790160" cy="2083320"/>
           </a:xfrm>
           <a:prstGeom prst="rect">
             <a:avLst/>
@@ -24078,7 +24161,7 @@
             <a:normAutofit/>
           </a:bodyPr>
           <a:p>
-            <a:pPr marL="432000" indent="-320040">
+            <a:pPr marL="432000" indent="-319680">
               <a:lnSpc>
                 <a:spcPct val="100000"/>
               </a:lnSpc>
@@ -24107,7 +24190,7 @@
             </a:endParaRPr>
           </a:p>
           <a:p>
-            <a:pPr marL="432000" indent="-320040">
+            <a:pPr marL="432000" indent="-319680">
               <a:lnSpc>
                 <a:spcPct val="100000"/>
               </a:lnSpc>
@@ -24136,7 +24219,7 @@
             </a:endParaRPr>
           </a:p>
           <a:p>
-            <a:pPr marL="432000" indent="-320040">
+            <a:pPr marL="432000" indent="-319680">
               <a:lnSpc>
                 <a:spcPct val="100000"/>
               </a:lnSpc>
@@ -24165,7 +24248,7 @@
             </a:endParaRPr>
           </a:p>
           <a:p>
-            <a:pPr lvl="2" marL="648000" indent="-213120">
+            <a:pPr lvl="2" marL="648000" indent="-212760">
               <a:lnSpc>
                 <a:spcPct val="100000"/>
               </a:lnSpc>
@@ -24194,7 +24277,7 @@
             </a:endParaRPr>
           </a:p>
           <a:p>
-            <a:pPr lvl="2" marL="648000" indent="-213120">
+            <a:pPr lvl="2" marL="648000" indent="-212760">
               <a:lnSpc>
                 <a:spcPct val="100000"/>
               </a:lnSpc>
@@ -24282,7 +24365,7 @@
         <p:spPr>
           <a:xfrm>
             <a:off x="266040" y="143640"/>
-            <a:ext cx="4790520" cy="596880"/>
+            <a:ext cx="4790160" cy="596520"/>
           </a:xfrm>
           <a:prstGeom prst="rect">
             <a:avLst/>
@@ -24331,7 +24414,7 @@
         <p:spPr>
           <a:xfrm>
             <a:off x="266040" y="842400"/>
-            <a:ext cx="4790520" cy="2083680"/>
+            <a:ext cx="4790160" cy="2083320"/>
           </a:xfrm>
           <a:prstGeom prst="rect">
             <a:avLst/>
@@ -24352,7 +24435,7 @@
             <a:normAutofit/>
           </a:bodyPr>
           <a:p>
-            <a:pPr marL="432000" indent="-320040">
+            <a:pPr marL="432000" indent="-319680">
               <a:lnSpc>
                 <a:spcPct val="100000"/>
               </a:lnSpc>
@@ -24381,7 +24464,7 @@
             </a:endParaRPr>
           </a:p>
           <a:p>
-            <a:pPr marL="432000" indent="-320040">
+            <a:pPr marL="432000" indent="-319680">
               <a:lnSpc>
                 <a:spcPct val="100000"/>
               </a:lnSpc>
@@ -24469,7 +24552,7 @@
         <p:spPr>
           <a:xfrm>
             <a:off x="266040" y="143640"/>
-            <a:ext cx="4790520" cy="596880"/>
+            <a:ext cx="4790160" cy="596520"/>
           </a:xfrm>
           <a:prstGeom prst="rect">
             <a:avLst/>
@@ -24518,7 +24601,7 @@
         <p:spPr>
           <a:xfrm>
             <a:off x="182880" y="791640"/>
-            <a:ext cx="4933800" cy="1675440"/>
+            <a:ext cx="4933440" cy="1675080"/>
           </a:xfrm>
           <a:prstGeom prst="rect">
             <a:avLst/>
@@ -24986,7 +25069,7 @@
         <p:spPr>
           <a:xfrm>
             <a:off x="266040" y="143640"/>
-            <a:ext cx="4790520" cy="596880"/>
+            <a:ext cx="4790160" cy="596520"/>
           </a:xfrm>
           <a:prstGeom prst="rect">
             <a:avLst/>
@@ -25035,7 +25118,7 @@
         <p:spPr>
           <a:xfrm>
             <a:off x="182880" y="731520"/>
-            <a:ext cx="4933800" cy="2781360"/>
+            <a:ext cx="4933440" cy="2781000"/>
           </a:xfrm>
           <a:prstGeom prst="rect">
             <a:avLst/>
@@ -25673,7 +25756,7 @@
         <p:spPr>
           <a:xfrm>
             <a:off x="266040" y="143640"/>
-            <a:ext cx="4790520" cy="596880"/>
+            <a:ext cx="4790160" cy="596520"/>
           </a:xfrm>
           <a:prstGeom prst="rect">
             <a:avLst/>
@@ -25722,7 +25805,7 @@
         <p:spPr>
           <a:xfrm>
             <a:off x="184320" y="640080"/>
-            <a:ext cx="4933800" cy="1675440"/>
+            <a:ext cx="4933440" cy="1675080"/>
           </a:xfrm>
           <a:prstGeom prst="rect">
             <a:avLst/>
@@ -26250,7 +26333,7 @@
         <p:spPr>
           <a:xfrm>
             <a:off x="266040" y="143640"/>
-            <a:ext cx="4790520" cy="596880"/>
+            <a:ext cx="4790160" cy="596520"/>
           </a:xfrm>
           <a:prstGeom prst="rect">
             <a:avLst/>
@@ -26299,7 +26382,7 @@
         <p:spPr>
           <a:xfrm>
             <a:off x="184320" y="640080"/>
-            <a:ext cx="4933800" cy="1675440"/>
+            <a:ext cx="4933440" cy="1675080"/>
           </a:xfrm>
           <a:prstGeom prst="rect">
             <a:avLst/>
